--- a/Day 9/Slides/performance-and-security-improvements-slides.pptx
+++ b/Day 9/Slides/performance-and-security-improvements-slides.pptx
@@ -2291,7 +2291,7 @@
             </a:r>
             <a:r>
               <a:rPr lang="en-US" sz="3200">
-                <a:hlinkClick r:id="rId3" action="ppaction://hlinkfile"/>
+                <a:hlinkClick r:id="rId3" tooltip="" action="ppaction://hlinkfile"/>
               </a:rPr>
               <a:t>download</a:t>
             </a:r>
